--- a/rocker_app/static/description/Rocker_Email_User_Guide.pptx
+++ b/rocker_app/static/description/Rocker_Email_User_Guide.pptx
@@ -306,7 +306,7 @@
           <a:p>
             <a:fld id="{2BA53152-5DF5-4979-A537-0FE8AB80BD2D}" type="datetimeFigureOut">
               <a:rPr lang="fi-FI" smtClean="0"/>
-              <a:t>22.1.2021</a:t>
+              <a:t>28.1.2021</a:t>
             </a:fld>
             <a:endParaRPr lang="fi-FI"/>
           </a:p>
@@ -534,7 +534,7 @@
           <a:p>
             <a:fld id="{2BA53152-5DF5-4979-A537-0FE8AB80BD2D}" type="datetimeFigureOut">
               <a:rPr lang="fi-FI" smtClean="0"/>
-              <a:t>22.1.2021</a:t>
+              <a:t>28.1.2021</a:t>
             </a:fld>
             <a:endParaRPr lang="fi-FI"/>
           </a:p>
@@ -935,7 +935,7 @@
           <a:p>
             <a:fld id="{2BA53152-5DF5-4979-A537-0FE8AB80BD2D}" type="datetimeFigureOut">
               <a:rPr lang="fi-FI" smtClean="0"/>
-              <a:t>22.1.2021</a:t>
+              <a:t>28.1.2021</a:t>
             </a:fld>
             <a:endParaRPr lang="fi-FI"/>
           </a:p>
@@ -1271,7 +1271,7 @@
           <a:p>
             <a:fld id="{2BA53152-5DF5-4979-A537-0FE8AB80BD2D}" type="datetimeFigureOut">
               <a:rPr lang="fi-FI" smtClean="0"/>
-              <a:t>22.1.2021</a:t>
+              <a:t>28.1.2021</a:t>
             </a:fld>
             <a:endParaRPr lang="fi-FI"/>
           </a:p>
@@ -1591,7 +1591,7 @@
           <a:p>
             <a:fld id="{2BA53152-5DF5-4979-A537-0FE8AB80BD2D}" type="datetimeFigureOut">
               <a:rPr lang="fi-FI" smtClean="0"/>
-              <a:t>22.1.2021</a:t>
+              <a:t>28.1.2021</a:t>
             </a:fld>
             <a:endParaRPr lang="fi-FI"/>
           </a:p>
@@ -1987,7 +1987,7 @@
           <a:p>
             <a:fld id="{2BA53152-5DF5-4979-A537-0FE8AB80BD2D}" type="datetimeFigureOut">
               <a:rPr lang="fi-FI" smtClean="0"/>
-              <a:t>22.1.2021</a:t>
+              <a:t>28.1.2021</a:t>
             </a:fld>
             <a:endParaRPr lang="fi-FI"/>
           </a:p>
@@ -2244,7 +2244,7 @@
           <a:p>
             <a:fld id="{2BA53152-5DF5-4979-A537-0FE8AB80BD2D}" type="datetimeFigureOut">
               <a:rPr lang="fi-FI" smtClean="0"/>
-              <a:t>22.1.2021</a:t>
+              <a:t>28.1.2021</a:t>
             </a:fld>
             <a:endParaRPr lang="fi-FI"/>
           </a:p>
@@ -2506,7 +2506,7 @@
           <a:p>
             <a:fld id="{2BA53152-5DF5-4979-A537-0FE8AB80BD2D}" type="datetimeFigureOut">
               <a:rPr lang="fi-FI" smtClean="0"/>
-              <a:t>22.1.2021</a:t>
+              <a:t>28.1.2021</a:t>
             </a:fld>
             <a:endParaRPr lang="fi-FI"/>
           </a:p>
@@ -2768,7 +2768,7 @@
           <a:p>
             <a:fld id="{2BA53152-5DF5-4979-A537-0FE8AB80BD2D}" type="datetimeFigureOut">
               <a:rPr lang="fi-FI" smtClean="0"/>
-              <a:t>22.1.2021</a:t>
+              <a:t>28.1.2021</a:t>
             </a:fld>
             <a:endParaRPr lang="fi-FI"/>
           </a:p>
@@ -3022,7 +3022,7 @@
           <a:p>
             <a:fld id="{2BA53152-5DF5-4979-A537-0FE8AB80BD2D}" type="datetimeFigureOut">
               <a:rPr lang="fi-FI" smtClean="0"/>
-              <a:t>22.1.2021</a:t>
+              <a:t>28.1.2021</a:t>
             </a:fld>
             <a:endParaRPr lang="fi-FI"/>
           </a:p>
@@ -3345,7 +3345,7 @@
           <a:p>
             <a:fld id="{2BA53152-5DF5-4979-A537-0FE8AB80BD2D}" type="datetimeFigureOut">
               <a:rPr lang="fi-FI" smtClean="0"/>
-              <a:t>22.1.2021</a:t>
+              <a:t>28.1.2021</a:t>
             </a:fld>
             <a:endParaRPr lang="fi-FI"/>
           </a:p>
@@ -3802,7 +3802,7 @@
           <a:p>
             <a:fld id="{2BA53152-5DF5-4979-A537-0FE8AB80BD2D}" type="datetimeFigureOut">
               <a:rPr lang="fi-FI" smtClean="0"/>
-              <a:t>22.1.2021</a:t>
+              <a:t>28.1.2021</a:t>
             </a:fld>
             <a:endParaRPr lang="fi-FI"/>
           </a:p>
@@ -3977,16 +3977,20 @@
             <p:ph type="title"/>
           </p:nvPr>
         </p:nvSpPr>
-        <p:spPr/>
+        <p:spPr>
+          <a:xfrm>
+            <a:off x="852854" y="624110"/>
+            <a:ext cx="10651757" cy="1280890"/>
+          </a:xfrm>
+        </p:spPr>
         <p:txBody>
           <a:bodyPr/>
           <a:lstStyle/>
           <a:p>
             <a:r>
-              <a:rPr lang="en-US"/>
+              <a:rPr lang="en-US" dirty="0"/>
               <a:t>Click to edit Master title style</a:t>
             </a:r>
-            <a:endParaRPr lang="en-US" dirty="0"/>
           </a:p>
         </p:txBody>
       </p:sp>
@@ -4007,7 +4011,7 @@
           <a:p>
             <a:fld id="{2BA53152-5DF5-4979-A537-0FE8AB80BD2D}" type="datetimeFigureOut">
               <a:rPr lang="fi-FI" smtClean="0"/>
-              <a:t>22.1.2021</a:t>
+              <a:t>28.1.2021</a:t>
             </a:fld>
             <a:endParaRPr lang="fi-FI"/>
           </a:p>
@@ -4109,7 +4113,7 @@
           <a:p>
             <a:fld id="{2BA53152-5DF5-4979-A537-0FE8AB80BD2D}" type="datetimeFigureOut">
               <a:rPr lang="fi-FI" smtClean="0"/>
-              <a:t>22.1.2021</a:t>
+              <a:t>28.1.2021</a:t>
             </a:fld>
             <a:endParaRPr lang="fi-FI"/>
           </a:p>
@@ -4442,7 +4446,7 @@
           <a:p>
             <a:fld id="{2BA53152-5DF5-4979-A537-0FE8AB80BD2D}" type="datetimeFigureOut">
               <a:rPr lang="fi-FI" smtClean="0"/>
-              <a:t>22.1.2021</a:t>
+              <a:t>28.1.2021</a:t>
             </a:fld>
             <a:endParaRPr lang="fi-FI"/>
           </a:p>
@@ -4787,7 +4791,7 @@
           <a:p>
             <a:fld id="{2BA53152-5DF5-4979-A537-0FE8AB80BD2D}" type="datetimeFigureOut">
               <a:rPr lang="fi-FI" smtClean="0"/>
-              <a:t>22.1.2021</a:t>
+              <a:t>28.1.2021</a:t>
             </a:fld>
             <a:endParaRPr lang="fi-FI"/>
           </a:p>
@@ -6904,7 +6908,7 @@
           <a:p>
             <a:fld id="{2BA53152-5DF5-4979-A537-0FE8AB80BD2D}" type="datetimeFigureOut">
               <a:rPr lang="fi-FI" smtClean="0"/>
-              <a:t>22.1.2021</a:t>
+              <a:t>28.1.2021</a:t>
             </a:fld>
             <a:endParaRPr lang="fi-FI"/>
           </a:p>
@@ -7456,11 +7460,7 @@
             </a:r>
             <a:r>
               <a:rPr lang="fi-FI" sz="4400" dirty="0"/>
-              <a:t> Reporting V2.</a:t>
-            </a:r>
-            <a:r>
-              <a:rPr lang="fi-FI" sz="2800" dirty="0"/>
-              <a:t>1</a:t>
+              <a:t> Reporting V3</a:t>
             </a:r>
             <a:endParaRPr lang="en-US" sz="4400" dirty="0"/>
           </a:p>
@@ -8625,6 +8625,112 @@
           </a:fontRef>
         </p:style>
       </p:pic>
+      <p:sp>
+        <p:nvSpPr>
+          <p:cNvPr id="3" name="TextBox 2">
+            <a:extLst>
+              <a:ext uri="{FF2B5EF4-FFF2-40B4-BE49-F238E27FC236}">
+                <a16:creationId xmlns:a16="http://schemas.microsoft.com/office/drawing/2014/main" id="{BB9F8580-2E74-4F32-B0E5-DF67C3352441}"/>
+              </a:ext>
+            </a:extLst>
+          </p:cNvPr>
+          <p:cNvSpPr txBox="1"/>
+          <p:nvPr/>
+        </p:nvSpPr>
+        <p:spPr>
+          <a:xfrm>
+            <a:off x="8590084" y="4022480"/>
+            <a:ext cx="1718896" cy="1477328"/>
+          </a:xfrm>
+          <a:prstGeom prst="rect">
+            <a:avLst/>
+          </a:prstGeom>
+        </p:spPr>
+        <p:style>
+          <a:lnRef idx="1">
+            <a:schemeClr val="accent6"/>
+          </a:lnRef>
+          <a:fillRef idx="2">
+            <a:schemeClr val="accent6"/>
+          </a:fillRef>
+          <a:effectRef idx="1">
+            <a:schemeClr val="accent6"/>
+          </a:effectRef>
+          <a:fontRef idx="minor">
+            <a:schemeClr val="dk1"/>
+          </a:fontRef>
+        </p:style>
+        <p:txBody>
+          <a:bodyPr wrap="square" rtlCol="0">
+            <a:spAutoFit/>
+          </a:bodyPr>
+          <a:lstStyle/>
+          <a:p>
+            <a:pPr algn="ctr"/>
+            <a:r>
+              <a:rPr lang="fi-FI" dirty="0" err="1"/>
+              <a:t>Advice</a:t>
+            </a:r>
+            <a:r>
+              <a:rPr lang="fi-FI" dirty="0"/>
+              <a:t> </a:t>
+            </a:r>
+            <a:r>
+              <a:rPr lang="fi-FI" dirty="0" err="1"/>
+              <a:t>users</a:t>
+            </a:r>
+            <a:r>
+              <a:rPr lang="fi-FI" dirty="0"/>
+              <a:t> to </a:t>
+            </a:r>
+            <a:r>
+              <a:rPr lang="fi-FI" dirty="0" err="1"/>
+              <a:t>save</a:t>
+            </a:r>
+            <a:r>
+              <a:rPr lang="fi-FI" dirty="0"/>
+              <a:t> </a:t>
+            </a:r>
+            <a:r>
+              <a:rPr lang="fi-FI" dirty="0" err="1"/>
+              <a:t>excel</a:t>
+            </a:r>
+            <a:r>
+              <a:rPr lang="fi-FI" dirty="0"/>
+              <a:t> to </a:t>
+            </a:r>
+            <a:r>
+              <a:rPr lang="fi-FI" dirty="0" err="1"/>
+              <a:t>their</a:t>
+            </a:r>
+            <a:r>
+              <a:rPr lang="fi-FI" dirty="0"/>
+              <a:t> </a:t>
+            </a:r>
+            <a:r>
+              <a:rPr lang="fi-FI" dirty="0" err="1"/>
+              <a:t>own</a:t>
+            </a:r>
+            <a:r>
+              <a:rPr lang="fi-FI" dirty="0"/>
+              <a:t> disk </a:t>
+            </a:r>
+            <a:r>
+              <a:rPr lang="fi-FI" dirty="0" err="1"/>
+              <a:t>before</a:t>
+            </a:r>
+            <a:r>
+              <a:rPr lang="fi-FI" dirty="0"/>
+              <a:t> </a:t>
+            </a:r>
+            <a:r>
+              <a:rPr lang="fi-FI" dirty="0" err="1"/>
+              <a:t>opening</a:t>
+            </a:r>
+            <a:endParaRPr lang="en-US" dirty="0"/>
+          </a:p>
+        </p:txBody>
+      </p:sp>
     </p:spTree>
     <p:extLst>
       <p:ext uri="{BB962C8B-B14F-4D97-AF65-F5344CB8AC3E}">
